--- a/论文图/cnl2sqltransfer.pptx
+++ b/论文图/cnl2sqltransfer.pptx
@@ -7,7 +7,7 @@
   <p:sldIdLst>
     <p:sldId id="256" r:id="rId2"/>
   </p:sldIdLst>
-  <p:sldSz cx="7200900" cy="3600450"/>
+  <p:sldSz cx="7345363" cy="6858000"/>
   <p:notesSz cx="6858000" cy="9144000"/>
   <p:defaultTextStyle>
     <a:defPPr>
@@ -136,8 +136,8 @@
         </p:nvSpPr>
         <p:spPr>
           <a:xfrm>
-            <a:off x="540068" y="1118474"/>
-            <a:ext cx="6120765" cy="771763"/>
+            <a:off x="550902" y="2130426"/>
+            <a:ext cx="6243559" cy="1470025"/>
           </a:xfrm>
         </p:spPr>
         <p:txBody>
@@ -164,8 +164,8 @@
         </p:nvSpPr>
         <p:spPr>
           <a:xfrm>
-            <a:off x="1080135" y="2040256"/>
-            <a:ext cx="5040630" cy="920115"/>
+            <a:off x="1101805" y="3886200"/>
+            <a:ext cx="5141754" cy="1752600"/>
           </a:xfrm>
         </p:spPr>
         <p:txBody>
@@ -289,7 +289,7 @@
             <a:fld id="{530820CF-B880-4189-942D-D702A7CBA730}" type="datetimeFigureOut">
               <a:rPr lang="zh-CN" altLang="en-US" smtClean="0"/>
               <a:pPr/>
-              <a:t>2018/12/26</a:t>
+              <a:t>2018/12/27</a:t>
             </a:fld>
             <a:endParaRPr lang="zh-CN" altLang="en-US"/>
           </a:p>
@@ -456,7 +456,7 @@
             <a:fld id="{530820CF-B880-4189-942D-D702A7CBA730}" type="datetimeFigureOut">
               <a:rPr lang="zh-CN" altLang="en-US" smtClean="0"/>
               <a:pPr/>
-              <a:t>2018/12/26</a:t>
+              <a:t>2018/12/27</a:t>
             </a:fld>
             <a:endParaRPr lang="zh-CN" altLang="en-US"/>
           </a:p>
@@ -542,8 +542,8 @@
         </p:nvSpPr>
         <p:spPr>
           <a:xfrm>
-            <a:off x="5220652" y="144186"/>
-            <a:ext cx="1620203" cy="3072051"/>
+            <a:off x="5325388" y="274639"/>
+            <a:ext cx="1652707" cy="5851525"/>
           </a:xfrm>
         </p:spPr>
         <p:txBody>
@@ -570,8 +570,8 @@
         </p:nvSpPr>
         <p:spPr>
           <a:xfrm>
-            <a:off x="360045" y="144186"/>
-            <a:ext cx="4740593" cy="3072051"/>
+            <a:off x="367268" y="274639"/>
+            <a:ext cx="4835697" cy="5851525"/>
           </a:xfrm>
         </p:spPr>
         <p:txBody>
@@ -633,7 +633,7 @@
             <a:fld id="{530820CF-B880-4189-942D-D702A7CBA730}" type="datetimeFigureOut">
               <a:rPr lang="zh-CN" altLang="en-US" smtClean="0"/>
               <a:pPr/>
-              <a:t>2018/12/26</a:t>
+              <a:t>2018/12/27</a:t>
             </a:fld>
             <a:endParaRPr lang="zh-CN" altLang="en-US"/>
           </a:p>
@@ -800,7 +800,7 @@
             <a:fld id="{530820CF-B880-4189-942D-D702A7CBA730}" type="datetimeFigureOut">
               <a:rPr lang="zh-CN" altLang="en-US" smtClean="0"/>
               <a:pPr/>
-              <a:t>2018/12/26</a:t>
+              <a:t>2018/12/27</a:t>
             </a:fld>
             <a:endParaRPr lang="zh-CN" altLang="en-US"/>
           </a:p>
@@ -886,8 +886,8 @@
         </p:nvSpPr>
         <p:spPr>
           <a:xfrm>
-            <a:off x="568821" y="2313624"/>
-            <a:ext cx="6120765" cy="715089"/>
+            <a:off x="580233" y="4406901"/>
+            <a:ext cx="6243559" cy="1362075"/>
           </a:xfrm>
         </p:spPr>
         <p:txBody>
@@ -918,8 +918,8 @@
         </p:nvSpPr>
         <p:spPr>
           <a:xfrm>
-            <a:off x="568821" y="1526025"/>
-            <a:ext cx="6120765" cy="787598"/>
+            <a:off x="580233" y="2906713"/>
+            <a:ext cx="6243559" cy="1500187"/>
           </a:xfrm>
         </p:spPr>
         <p:txBody>
@@ -1043,7 +1043,7 @@
             <a:fld id="{530820CF-B880-4189-942D-D702A7CBA730}" type="datetimeFigureOut">
               <a:rPr lang="zh-CN" altLang="en-US" smtClean="0"/>
               <a:pPr/>
-              <a:t>2018/12/26</a:t>
+              <a:t>2018/12/27</a:t>
             </a:fld>
             <a:endParaRPr lang="zh-CN" altLang="en-US"/>
           </a:p>
@@ -1152,8 +1152,8 @@
         </p:nvSpPr>
         <p:spPr>
           <a:xfrm>
-            <a:off x="360045" y="840106"/>
-            <a:ext cx="3180398" cy="2376131"/>
+            <a:off x="367268" y="1600201"/>
+            <a:ext cx="3244202" cy="4525963"/>
           </a:xfrm>
         </p:spPr>
         <p:txBody>
@@ -1237,8 +1237,8 @@
         </p:nvSpPr>
         <p:spPr>
           <a:xfrm>
-            <a:off x="3660457" y="840106"/>
-            <a:ext cx="3180398" cy="2376131"/>
+            <a:off x="3733893" y="1600201"/>
+            <a:ext cx="3244202" cy="4525963"/>
           </a:xfrm>
         </p:spPr>
         <p:txBody>
@@ -1328,7 +1328,7 @@
             <a:fld id="{530820CF-B880-4189-942D-D702A7CBA730}" type="datetimeFigureOut">
               <a:rPr lang="zh-CN" altLang="en-US" smtClean="0"/>
               <a:pPr/>
-              <a:t>2018/12/26</a:t>
+              <a:t>2018/12/27</a:t>
             </a:fld>
             <a:endParaRPr lang="zh-CN" altLang="en-US"/>
           </a:p>
@@ -1441,8 +1441,8 @@
         </p:nvSpPr>
         <p:spPr>
           <a:xfrm>
-            <a:off x="360045" y="805935"/>
-            <a:ext cx="3181648" cy="335875"/>
+            <a:off x="367268" y="1535113"/>
+            <a:ext cx="3245478" cy="639762"/>
           </a:xfrm>
         </p:spPr>
         <p:txBody>
@@ -1506,8 +1506,8 @@
         </p:nvSpPr>
         <p:spPr>
           <a:xfrm>
-            <a:off x="360045" y="1141809"/>
-            <a:ext cx="3181648" cy="2074426"/>
+            <a:off x="367268" y="2174875"/>
+            <a:ext cx="3245478" cy="3951288"/>
           </a:xfrm>
         </p:spPr>
         <p:txBody>
@@ -1591,8 +1591,8 @@
         </p:nvSpPr>
         <p:spPr>
           <a:xfrm>
-            <a:off x="3657958" y="805935"/>
-            <a:ext cx="3182898" cy="335875"/>
+            <a:off x="3731343" y="1535113"/>
+            <a:ext cx="3246752" cy="639762"/>
           </a:xfrm>
         </p:spPr>
         <p:txBody>
@@ -1656,8 +1656,8 @@
         </p:nvSpPr>
         <p:spPr>
           <a:xfrm>
-            <a:off x="3657958" y="1141809"/>
-            <a:ext cx="3182898" cy="2074426"/>
+            <a:off x="3731343" y="2174875"/>
+            <a:ext cx="3246752" cy="3951288"/>
           </a:xfrm>
         </p:spPr>
         <p:txBody>
@@ -1747,7 +1747,7 @@
             <a:fld id="{530820CF-B880-4189-942D-D702A7CBA730}" type="datetimeFigureOut">
               <a:rPr lang="zh-CN" altLang="en-US" smtClean="0"/>
               <a:pPr/>
-              <a:t>2018/12/26</a:t>
+              <a:t>2018/12/27</a:t>
             </a:fld>
             <a:endParaRPr lang="zh-CN" altLang="en-US"/>
           </a:p>
@@ -1862,7 +1862,7 @@
             <a:fld id="{530820CF-B880-4189-942D-D702A7CBA730}" type="datetimeFigureOut">
               <a:rPr lang="zh-CN" altLang="en-US" smtClean="0"/>
               <a:pPr/>
-              <a:t>2018/12/26</a:t>
+              <a:t>2018/12/27</a:t>
             </a:fld>
             <a:endParaRPr lang="zh-CN" altLang="en-US"/>
           </a:p>
@@ -1954,7 +1954,7 @@
             <a:fld id="{530820CF-B880-4189-942D-D702A7CBA730}" type="datetimeFigureOut">
               <a:rPr lang="zh-CN" altLang="en-US" smtClean="0"/>
               <a:pPr/>
-              <a:t>2018/12/26</a:t>
+              <a:t>2018/12/27</a:t>
             </a:fld>
             <a:endParaRPr lang="zh-CN" altLang="en-US"/>
           </a:p>
@@ -2040,8 +2040,8 @@
         </p:nvSpPr>
         <p:spPr>
           <a:xfrm>
-            <a:off x="360046" y="143351"/>
-            <a:ext cx="2369046" cy="610076"/>
+            <a:off x="367268" y="273050"/>
+            <a:ext cx="2416574" cy="1162050"/>
           </a:xfrm>
         </p:spPr>
         <p:txBody>
@@ -2072,8 +2072,8 @@
         </p:nvSpPr>
         <p:spPr>
           <a:xfrm>
-            <a:off x="2815352" y="143352"/>
-            <a:ext cx="4025503" cy="3072884"/>
+            <a:off x="2871833" y="273051"/>
+            <a:ext cx="4106262" cy="5853113"/>
           </a:xfrm>
         </p:spPr>
         <p:txBody>
@@ -2157,8 +2157,8 @@
         </p:nvSpPr>
         <p:spPr>
           <a:xfrm>
-            <a:off x="360046" y="753428"/>
-            <a:ext cx="2369046" cy="2462808"/>
+            <a:off x="367268" y="1435101"/>
+            <a:ext cx="2416574" cy="4691063"/>
           </a:xfrm>
         </p:spPr>
         <p:txBody>
@@ -2228,7 +2228,7 @@
             <a:fld id="{530820CF-B880-4189-942D-D702A7CBA730}" type="datetimeFigureOut">
               <a:rPr lang="zh-CN" altLang="en-US" smtClean="0"/>
               <a:pPr/>
-              <a:t>2018/12/26</a:t>
+              <a:t>2018/12/27</a:t>
             </a:fld>
             <a:endParaRPr lang="zh-CN" altLang="en-US"/>
           </a:p>
@@ -2314,8 +2314,8 @@
         </p:nvSpPr>
         <p:spPr>
           <a:xfrm>
-            <a:off x="1411427" y="2520316"/>
-            <a:ext cx="4320540" cy="297537"/>
+            <a:off x="1439742" y="4800600"/>
+            <a:ext cx="4407218" cy="566738"/>
           </a:xfrm>
         </p:spPr>
         <p:txBody>
@@ -2346,8 +2346,8 @@
         </p:nvSpPr>
         <p:spPr>
           <a:xfrm>
-            <a:off x="1411427" y="321707"/>
-            <a:ext cx="4320540" cy="2160270"/>
+            <a:off x="1439742" y="612775"/>
+            <a:ext cx="4407218" cy="4114800"/>
           </a:xfrm>
         </p:spPr>
         <p:txBody>
@@ -2407,8 +2407,8 @@
         </p:nvSpPr>
         <p:spPr>
           <a:xfrm>
-            <a:off x="1411427" y="2817853"/>
-            <a:ext cx="4320540" cy="422553"/>
+            <a:off x="1439742" y="5367338"/>
+            <a:ext cx="4407218" cy="804862"/>
           </a:xfrm>
         </p:spPr>
         <p:txBody>
@@ -2478,7 +2478,7 @@
             <a:fld id="{530820CF-B880-4189-942D-D702A7CBA730}" type="datetimeFigureOut">
               <a:rPr lang="zh-CN" altLang="en-US" smtClean="0"/>
               <a:pPr/>
-              <a:t>2018/12/26</a:t>
+              <a:t>2018/12/27</a:t>
             </a:fld>
             <a:endParaRPr lang="zh-CN" altLang="en-US"/>
           </a:p>
@@ -2569,8 +2569,8 @@
         </p:nvSpPr>
         <p:spPr>
           <a:xfrm>
-            <a:off x="360045" y="144186"/>
-            <a:ext cx="6480810" cy="600075"/>
+            <a:off x="367268" y="274638"/>
+            <a:ext cx="6610827" cy="1143000"/>
           </a:xfrm>
           <a:prstGeom prst="rect">
             <a:avLst/>
@@ -2602,8 +2602,8 @@
         </p:nvSpPr>
         <p:spPr>
           <a:xfrm>
-            <a:off x="360045" y="840106"/>
-            <a:ext cx="6480810" cy="2376131"/>
+            <a:off x="367268" y="1600201"/>
+            <a:ext cx="6610827" cy="4525963"/>
           </a:xfrm>
           <a:prstGeom prst="rect">
             <a:avLst/>
@@ -2664,8 +2664,8 @@
         </p:nvSpPr>
         <p:spPr>
           <a:xfrm>
-            <a:off x="360045" y="3337085"/>
-            <a:ext cx="1680210" cy="191691"/>
+            <a:off x="367268" y="6356351"/>
+            <a:ext cx="1713918" cy="365125"/>
           </a:xfrm>
           <a:prstGeom prst="rect">
             <a:avLst/>
@@ -2688,7 +2688,7 @@
             <a:fld id="{530820CF-B880-4189-942D-D702A7CBA730}" type="datetimeFigureOut">
               <a:rPr lang="zh-CN" altLang="en-US" smtClean="0"/>
               <a:pPr/>
-              <a:t>2018/12/26</a:t>
+              <a:t>2018/12/27</a:t>
             </a:fld>
             <a:endParaRPr lang="zh-CN" altLang="en-US"/>
           </a:p>
@@ -2706,8 +2706,8 @@
         </p:nvSpPr>
         <p:spPr>
           <a:xfrm>
-            <a:off x="2460308" y="3337085"/>
-            <a:ext cx="2280285" cy="191691"/>
+            <a:off x="2509666" y="6356351"/>
+            <a:ext cx="2326032" cy="365125"/>
           </a:xfrm>
           <a:prstGeom prst="rect">
             <a:avLst/>
@@ -2743,8 +2743,8 @@
         </p:nvSpPr>
         <p:spPr>
           <a:xfrm>
-            <a:off x="5160645" y="3337085"/>
-            <a:ext cx="1680210" cy="191691"/>
+            <a:off x="5264177" y="6356351"/>
+            <a:ext cx="1713918" cy="365125"/>
           </a:xfrm>
           <a:prstGeom prst="rect">
             <a:avLst/>
@@ -3061,7 +3061,7 @@
       </p:grpSpPr>
       <p:pic>
         <p:nvPicPr>
-          <p:cNvPr id="15" name="Picture 3"/>
+          <p:cNvPr id="4" name="Picture 3"/>
           <p:cNvPicPr>
             <a:picLocks noChangeAspect="1" noChangeArrowheads="1"/>
           </p:cNvPicPr>
@@ -3076,7 +3076,7 @@
         </p:blipFill>
         <p:spPr bwMode="auto">
           <a:xfrm>
-            <a:off x="1100120" y="697222"/>
+            <a:off x="6365049" y="714356"/>
             <a:ext cx="522342" cy="388623"/>
           </a:xfrm>
           <a:prstGeom prst="rect">
@@ -3092,49 +3092,16 @@
           <a:effectLst/>
         </p:spPr>
       </p:pic>
-      <p:pic>
-        <p:nvPicPr>
-          <p:cNvPr id="16" name="Picture 2"/>
-          <p:cNvPicPr>
-            <a:picLocks noChangeAspect="1" noChangeArrowheads="1"/>
-          </p:cNvPicPr>
-          <p:nvPr/>
-        </p:nvPicPr>
-        <p:blipFill>
-          <a:blip r:embed="rId3"/>
-          <a:srcRect/>
-          <a:stretch>
-            <a:fillRect/>
-          </a:stretch>
-        </p:blipFill>
-        <p:spPr bwMode="auto">
-          <a:xfrm rot="16200000">
-            <a:off x="1454487" y="940146"/>
-            <a:ext cx="987538" cy="2304255"/>
-          </a:xfrm>
-          <a:prstGeom prst="rect">
-            <a:avLst/>
-          </a:prstGeom>
-          <a:noFill/>
-          <a:ln w="9525">
-            <a:noFill/>
-            <a:miter lim="800000"/>
-            <a:headEnd/>
-            <a:tailEnd/>
-          </a:ln>
-          <a:effectLst/>
-        </p:spPr>
-      </p:pic>
-      <p:sp>
-        <p:nvSpPr>
-          <p:cNvPr id="17" name="矩形 16"/>
+      <p:sp>
+        <p:nvSpPr>
+          <p:cNvPr id="6" name="矩形 5"/>
           <p:cNvSpPr/>
           <p:nvPr/>
         </p:nvSpPr>
         <p:spPr>
           <a:xfrm>
-            <a:off x="671492" y="514341"/>
-            <a:ext cx="2643206" cy="2428891"/>
+            <a:off x="1507264" y="157151"/>
+            <a:ext cx="1928827" cy="1485899"/>
           </a:xfrm>
           <a:prstGeom prst="rect">
             <a:avLst/>
@@ -3172,74 +3139,16 @@
           </a:p>
         </p:txBody>
       </p:sp>
-      <p:sp>
-        <p:nvSpPr>
-          <p:cNvPr id="18" name="TextBox 17"/>
-          <p:cNvSpPr txBox="1"/>
-          <p:nvPr/>
-        </p:nvSpPr>
-        <p:spPr>
-          <a:xfrm>
-            <a:off x="1110044" y="2461803"/>
-            <a:ext cx="418704" cy="338554"/>
-          </a:xfrm>
-          <a:prstGeom prst="rect">
-            <a:avLst/>
-          </a:prstGeom>
-          <a:noFill/>
-        </p:spPr>
-        <p:txBody>
-          <a:bodyPr wrap="none" rtlCol="0">
-            <a:spAutoFit/>
-          </a:bodyPr>
-          <a:lstStyle/>
-          <a:p>
-            <a:r>
-              <a:rPr lang="en-US" altLang="zh-CN" sz="1600" dirty="0" smtClean="0"/>
-              <a:t> … </a:t>
-            </a:r>
-          </a:p>
-        </p:txBody>
-      </p:sp>
-      <p:sp>
-        <p:nvSpPr>
-          <p:cNvPr id="19" name="TextBox 18"/>
-          <p:cNvSpPr txBox="1"/>
-          <p:nvPr/>
-        </p:nvSpPr>
-        <p:spPr>
-          <a:xfrm>
-            <a:off x="2253052" y="2461803"/>
-            <a:ext cx="418704" cy="338554"/>
-          </a:xfrm>
-          <a:prstGeom prst="rect">
-            <a:avLst/>
-          </a:prstGeom>
-          <a:noFill/>
-        </p:spPr>
-        <p:txBody>
-          <a:bodyPr wrap="none" rtlCol="0">
-            <a:spAutoFit/>
-          </a:bodyPr>
-          <a:lstStyle/>
-          <a:p>
-            <a:r>
-              <a:rPr lang="en-US" altLang="zh-CN" sz="1600" dirty="0" smtClean="0"/>
-              <a:t> … </a:t>
-            </a:r>
-          </a:p>
-        </p:txBody>
-      </p:sp>
       <p:cxnSp>
         <p:nvCxnSpPr>
-          <p:cNvPr id="22" name="直接箭头连接符 21"/>
+          <p:cNvPr id="10" name="直接箭头连接符 9"/>
           <p:cNvCxnSpPr/>
           <p:nvPr/>
         </p:nvCxnSpPr>
         <p:spPr>
-          <a:xfrm rot="5400000" flipH="1" flipV="1">
-            <a:off x="1208071" y="1192207"/>
-            <a:ext cx="214315" cy="1588"/>
+          <a:xfrm>
+            <a:off x="3436091" y="928670"/>
+            <a:ext cx="428628" cy="1588"/>
           </a:xfrm>
           <a:prstGeom prst="straightConnector1">
             <a:avLst/>
@@ -3266,323 +3175,16 @@
           </a:fontRef>
         </p:style>
       </p:cxnSp>
-      <p:cxnSp>
-        <p:nvCxnSpPr>
-          <p:cNvPr id="23" name="直接箭头连接符 22"/>
-          <p:cNvCxnSpPr>
-            <a:stCxn id="41" idx="0"/>
-          </p:cNvCxnSpPr>
-          <p:nvPr/>
-        </p:nvCxnSpPr>
-        <p:spPr>
-          <a:xfrm rot="16200000" flipH="1" flipV="1">
-            <a:off x="1883456" y="659698"/>
-            <a:ext cx="1" cy="1138046"/>
-          </a:xfrm>
-          <a:prstGeom prst="straightConnector1">
-            <a:avLst/>
-          </a:prstGeom>
-          <a:ln w="15875">
-            <a:solidFill>
-              <a:schemeClr val="tx1"/>
-            </a:solidFill>
-            <a:tailEnd type="arrow"/>
-          </a:ln>
-        </p:spPr>
-        <p:style>
-          <a:lnRef idx="1">
-            <a:schemeClr val="accent1"/>
-          </a:lnRef>
-          <a:fillRef idx="0">
-            <a:schemeClr val="accent1"/>
-          </a:fillRef>
-          <a:effectRef idx="0">
-            <a:schemeClr val="accent1"/>
-          </a:effectRef>
-          <a:fontRef idx="minor">
-            <a:schemeClr val="tx1"/>
-          </a:fontRef>
-        </p:style>
-      </p:cxnSp>
-      <p:cxnSp>
-        <p:nvCxnSpPr>
-          <p:cNvPr id="24" name="直接箭头连接符 23"/>
-          <p:cNvCxnSpPr/>
-          <p:nvPr/>
-        </p:nvCxnSpPr>
-        <p:spPr>
-          <a:xfrm rot="5400000" flipH="1" flipV="1">
-            <a:off x="2420650" y="1263364"/>
-            <a:ext cx="72000" cy="1588"/>
-          </a:xfrm>
-          <a:prstGeom prst="straightConnector1">
-            <a:avLst/>
-          </a:prstGeom>
-          <a:ln w="15875">
-            <a:solidFill>
-              <a:schemeClr val="tx1"/>
-            </a:solidFill>
-            <a:tailEnd type="none"/>
-          </a:ln>
-        </p:spPr>
-        <p:style>
-          <a:lnRef idx="1">
-            <a:schemeClr val="accent1"/>
-          </a:lnRef>
-          <a:fillRef idx="0">
-            <a:schemeClr val="accent1"/>
-          </a:fillRef>
-          <a:effectRef idx="0">
-            <a:schemeClr val="accent1"/>
-          </a:effectRef>
-          <a:fontRef idx="minor">
-            <a:schemeClr val="tx1"/>
-          </a:fontRef>
-        </p:style>
-      </p:cxnSp>
-      <p:sp>
-        <p:nvSpPr>
-          <p:cNvPr id="35" name="TextBox 34"/>
-          <p:cNvSpPr txBox="1"/>
-          <p:nvPr/>
-        </p:nvSpPr>
-        <p:spPr>
-          <a:xfrm>
-            <a:off x="171426" y="728655"/>
-            <a:ext cx="319318" cy="415498"/>
-          </a:xfrm>
-          <a:prstGeom prst="rect">
-            <a:avLst/>
-          </a:prstGeom>
-          <a:noFill/>
-        </p:spPr>
-        <p:txBody>
-          <a:bodyPr wrap="none" rtlCol="0">
-            <a:spAutoFit/>
-          </a:bodyPr>
-          <a:lstStyle/>
-          <a:p>
-            <a:r>
-              <a:rPr lang="zh-CN" altLang="en-US" sz="1050" dirty="0" smtClean="0"/>
-              <a:t>输</a:t>
-            </a:r>
-            <a:endParaRPr lang="en-US" altLang="zh-CN" sz="1050" dirty="0" smtClean="0"/>
-          </a:p>
-          <a:p>
-            <a:r>
-              <a:rPr lang="zh-CN" altLang="en-US" sz="1050" dirty="0" smtClean="0"/>
-              <a:t>出</a:t>
-            </a:r>
-            <a:endParaRPr lang="zh-CN" altLang="en-US" sz="1050" dirty="0"/>
-          </a:p>
-        </p:txBody>
-      </p:sp>
-      <p:sp>
-        <p:nvSpPr>
-          <p:cNvPr id="36" name="TextBox 35"/>
-          <p:cNvSpPr txBox="1"/>
-          <p:nvPr/>
-        </p:nvSpPr>
-        <p:spPr>
-          <a:xfrm>
-            <a:off x="171426" y="1228721"/>
-            <a:ext cx="319318" cy="1223412"/>
-          </a:xfrm>
-          <a:prstGeom prst="rect">
-            <a:avLst/>
-          </a:prstGeom>
-          <a:noFill/>
-        </p:spPr>
-        <p:txBody>
-          <a:bodyPr wrap="none" rtlCol="0">
-            <a:spAutoFit/>
-          </a:bodyPr>
-          <a:lstStyle/>
-          <a:p>
-            <a:r>
-              <a:rPr lang="zh-CN" altLang="en-US" sz="1050" dirty="0" smtClean="0"/>
-              <a:t>对</a:t>
-            </a:r>
-            <a:endParaRPr lang="en-US" altLang="zh-CN" sz="1050" dirty="0" smtClean="0"/>
-          </a:p>
-          <a:p>
-            <a:r>
-              <a:rPr lang="zh-CN" altLang="en-US" sz="1050" dirty="0" smtClean="0"/>
-              <a:t>偶</a:t>
-            </a:r>
-            <a:endParaRPr lang="en-US" altLang="zh-CN" sz="1050" dirty="0" smtClean="0"/>
-          </a:p>
-          <a:p>
-            <a:r>
-              <a:rPr lang="zh-CN" altLang="en-US" sz="1050" dirty="0" smtClean="0"/>
-              <a:t>协</a:t>
-            </a:r>
-            <a:endParaRPr lang="en-US" altLang="zh-CN" sz="1050" dirty="0" smtClean="0"/>
-          </a:p>
-          <a:p>
-            <a:r>
-              <a:rPr lang="zh-CN" altLang="en-US" sz="1050" dirty="0" smtClean="0"/>
-              <a:t>同</a:t>
-            </a:r>
-            <a:endParaRPr lang="en-US" altLang="zh-CN" sz="1050" dirty="0" smtClean="0"/>
-          </a:p>
-          <a:p>
-            <a:r>
-              <a:rPr lang="zh-CN" altLang="en-US" sz="1050" dirty="0" smtClean="0"/>
-              <a:t>注</a:t>
-            </a:r>
-            <a:endParaRPr lang="en-US" altLang="zh-CN" sz="1050" dirty="0" smtClean="0"/>
-          </a:p>
-          <a:p>
-            <a:r>
-              <a:rPr lang="zh-CN" altLang="en-US" sz="1050" dirty="0" smtClean="0"/>
-              <a:t>意</a:t>
-            </a:r>
-            <a:endParaRPr lang="en-US" altLang="zh-CN" sz="1050" dirty="0" smtClean="0"/>
-          </a:p>
-          <a:p>
-            <a:r>
-              <a:rPr lang="zh-CN" altLang="en-US" sz="1050" dirty="0" smtClean="0"/>
-              <a:t>力</a:t>
-            </a:r>
-            <a:endParaRPr lang="zh-CN" altLang="en-US" sz="1050" dirty="0"/>
-          </a:p>
-        </p:txBody>
-      </p:sp>
-      <p:sp>
-        <p:nvSpPr>
-          <p:cNvPr id="40" name="TextBox 39"/>
-          <p:cNvSpPr txBox="1"/>
-          <p:nvPr/>
-        </p:nvSpPr>
-        <p:spPr>
-          <a:xfrm>
-            <a:off x="1100120" y="1228721"/>
-            <a:ext cx="418704" cy="338554"/>
-          </a:xfrm>
-          <a:prstGeom prst="rect">
-            <a:avLst/>
-          </a:prstGeom>
-          <a:noFill/>
-        </p:spPr>
-        <p:txBody>
-          <a:bodyPr wrap="none" rtlCol="0">
-            <a:spAutoFit/>
-          </a:bodyPr>
-          <a:lstStyle/>
-          <a:p>
-            <a:r>
-              <a:rPr lang="en-US" altLang="zh-CN" sz="1600" dirty="0" smtClean="0"/>
-              <a:t> … </a:t>
-            </a:r>
-          </a:p>
-        </p:txBody>
-      </p:sp>
-      <p:sp>
-        <p:nvSpPr>
-          <p:cNvPr id="41" name="TextBox 40"/>
-          <p:cNvSpPr txBox="1"/>
-          <p:nvPr/>
-        </p:nvSpPr>
-        <p:spPr>
-          <a:xfrm>
-            <a:off x="2243128" y="1228721"/>
-            <a:ext cx="418704" cy="338554"/>
-          </a:xfrm>
-          <a:prstGeom prst="rect">
-            <a:avLst/>
-          </a:prstGeom>
-          <a:noFill/>
-        </p:spPr>
-        <p:txBody>
-          <a:bodyPr wrap="none" rtlCol="0">
-            <a:spAutoFit/>
-          </a:bodyPr>
-          <a:lstStyle/>
-          <a:p>
-            <a:r>
-              <a:rPr lang="en-US" altLang="zh-CN" sz="1600" dirty="0" smtClean="0"/>
-              <a:t> … </a:t>
-            </a:r>
-          </a:p>
-        </p:txBody>
-      </p:sp>
-      <p:pic>
-        <p:nvPicPr>
-          <p:cNvPr id="43" name="Picture 3"/>
-          <p:cNvPicPr>
-            <a:picLocks noChangeAspect="1" noChangeArrowheads="1"/>
-          </p:cNvPicPr>
-          <p:nvPr/>
-        </p:nvPicPr>
-        <p:blipFill>
-          <a:blip r:embed="rId2"/>
-          <a:srcRect/>
-          <a:stretch>
-            <a:fillRect/>
-          </a:stretch>
-        </p:blipFill>
-        <p:spPr bwMode="auto">
-          <a:xfrm>
-            <a:off x="4600582" y="697222"/>
-            <a:ext cx="522342" cy="388623"/>
-          </a:xfrm>
-          <a:prstGeom prst="rect">
-            <a:avLst/>
-          </a:prstGeom>
-          <a:noFill/>
-          <a:ln w="9525">
-            <a:noFill/>
-            <a:miter lim="800000"/>
-            <a:headEnd/>
-            <a:tailEnd/>
-          </a:ln>
-          <a:effectLst/>
-        </p:spPr>
-      </p:pic>
-      <p:pic>
-        <p:nvPicPr>
-          <p:cNvPr id="44" name="Picture 2"/>
-          <p:cNvPicPr>
-            <a:picLocks noChangeAspect="1" noChangeArrowheads="1"/>
-          </p:cNvPicPr>
-          <p:nvPr/>
-        </p:nvPicPr>
-        <p:blipFill>
-          <a:blip r:embed="rId3"/>
-          <a:srcRect/>
-          <a:stretch>
-            <a:fillRect/>
-          </a:stretch>
-        </p:blipFill>
-        <p:spPr bwMode="auto">
-          <a:xfrm rot="16200000">
-            <a:off x="4954949" y="940146"/>
-            <a:ext cx="987538" cy="2304255"/>
-          </a:xfrm>
-          <a:prstGeom prst="rect">
-            <a:avLst/>
-          </a:prstGeom>
-          <a:noFill/>
-          <a:ln w="9525">
-            <a:noFill/>
-            <a:miter lim="800000"/>
-            <a:headEnd/>
-            <a:tailEnd/>
-          </a:ln>
-          <a:effectLst/>
-        </p:spPr>
-      </p:pic>
-      <p:sp>
-        <p:nvSpPr>
-          <p:cNvPr id="45" name="矩形 44"/>
+      <p:sp>
+        <p:nvSpPr>
+          <p:cNvPr id="18" name="矩形 17"/>
           <p:cNvSpPr/>
           <p:nvPr/>
         </p:nvSpPr>
         <p:spPr>
           <a:xfrm>
-            <a:off x="4029078" y="514341"/>
-            <a:ext cx="2643206" cy="2428891"/>
+            <a:off x="1150075" y="71414"/>
+            <a:ext cx="5000660" cy="1714512"/>
           </a:xfrm>
           <a:prstGeom prst="rect">
             <a:avLst/>
@@ -3622,14 +3224,14 @@
       </p:sp>
       <p:sp>
         <p:nvSpPr>
-          <p:cNvPr id="46" name="TextBox 45"/>
+          <p:cNvPr id="27" name="TextBox 26"/>
           <p:cNvSpPr txBox="1"/>
           <p:nvPr/>
         </p:nvSpPr>
         <p:spPr>
           <a:xfrm>
-            <a:off x="4610506" y="2461803"/>
-            <a:ext cx="418704" cy="338554"/>
+            <a:off x="315095" y="714356"/>
+            <a:ext cx="642942" cy="276999"/>
           </a:xfrm>
           <a:prstGeom prst="rect">
             <a:avLst/>
@@ -3637,167 +3239,66 @@
           <a:noFill/>
         </p:spPr>
         <p:txBody>
-          <a:bodyPr wrap="none" rtlCol="0">
+          <a:bodyPr wrap="square" rtlCol="0">
             <a:spAutoFit/>
           </a:bodyPr>
           <a:lstStyle/>
           <a:p>
             <a:r>
-              <a:rPr lang="en-US" altLang="zh-CN" sz="1600" dirty="0" smtClean="0"/>
-              <a:t> … </a:t>
-            </a:r>
-          </a:p>
-        </p:txBody>
-      </p:sp>
-      <p:sp>
-        <p:nvSpPr>
-          <p:cNvPr id="47" name="TextBox 46"/>
-          <p:cNvSpPr txBox="1"/>
+              <a:rPr lang="zh-CN" altLang="en-US" sz="1200" dirty="0" smtClean="0"/>
+              <a:t>任务</a:t>
+            </a:r>
+            <a:r>
+              <a:rPr lang="en-US" altLang="zh-CN" sz="1200" dirty="0" smtClean="0"/>
+              <a:t>1</a:t>
+            </a:r>
+            <a:endParaRPr lang="zh-CN" altLang="en-US" sz="1200" dirty="0"/>
+          </a:p>
+        </p:txBody>
+      </p:sp>
+      <p:pic>
+        <p:nvPicPr>
+          <p:cNvPr id="1026" name="Picture 2"/>
+          <p:cNvPicPr>
+            <a:picLocks noChangeAspect="1" noChangeArrowheads="1"/>
+          </p:cNvPicPr>
           <p:nvPr/>
-        </p:nvSpPr>
-        <p:spPr>
-          <a:xfrm>
-            <a:off x="5753514" y="2461803"/>
-            <a:ext cx="418704" cy="338554"/>
+        </p:nvPicPr>
+        <p:blipFill>
+          <a:blip r:embed="rId3"/>
+          <a:srcRect/>
+          <a:stretch>
+            <a:fillRect/>
+          </a:stretch>
+        </p:blipFill>
+        <p:spPr bwMode="auto">
+          <a:xfrm>
+            <a:off x="1721579" y="428604"/>
+            <a:ext cx="1467648" cy="1195331"/>
           </a:xfrm>
           <a:prstGeom prst="rect">
             <a:avLst/>
           </a:prstGeom>
           <a:noFill/>
-        </p:spPr>
-        <p:txBody>
-          <a:bodyPr wrap="none" rtlCol="0">
-            <a:spAutoFit/>
-          </a:bodyPr>
-          <a:lstStyle/>
-          <a:p>
-            <a:r>
-              <a:rPr lang="en-US" altLang="zh-CN" sz="1600" dirty="0" smtClean="0"/>
-              <a:t> … </a:t>
-            </a:r>
-          </a:p>
-        </p:txBody>
-      </p:sp>
-      <p:cxnSp>
-        <p:nvCxnSpPr>
-          <p:cNvPr id="48" name="直接箭头连接符 47"/>
-          <p:cNvCxnSpPr/>
-          <p:nvPr/>
-        </p:nvCxnSpPr>
-        <p:spPr>
-          <a:xfrm rot="5400000" flipH="1" flipV="1">
-            <a:off x="4708533" y="1192207"/>
-            <a:ext cx="214315" cy="1588"/>
-          </a:xfrm>
-          <a:prstGeom prst="straightConnector1">
-            <a:avLst/>
-          </a:prstGeom>
-          <a:ln w="15875">
-            <a:solidFill>
-              <a:schemeClr val="tx1"/>
-            </a:solidFill>
-            <a:tailEnd type="arrow"/>
+          <a:ln w="9525">
+            <a:noFill/>
+            <a:miter lim="800000"/>
+            <a:headEnd/>
+            <a:tailEnd/>
           </a:ln>
-        </p:spPr>
-        <p:style>
-          <a:lnRef idx="1">
-            <a:schemeClr val="accent1"/>
-          </a:lnRef>
-          <a:fillRef idx="0">
-            <a:schemeClr val="accent1"/>
-          </a:fillRef>
-          <a:effectRef idx="0">
-            <a:schemeClr val="accent1"/>
-          </a:effectRef>
-          <a:fontRef idx="minor">
-            <a:schemeClr val="tx1"/>
-          </a:fontRef>
-        </p:style>
-      </p:cxnSp>
-      <p:cxnSp>
-        <p:nvCxnSpPr>
-          <p:cNvPr id="49" name="直接箭头连接符 48"/>
-          <p:cNvCxnSpPr>
-            <a:stCxn id="52" idx="0"/>
-          </p:cNvCxnSpPr>
-          <p:nvPr/>
-        </p:nvCxnSpPr>
-        <p:spPr>
-          <a:xfrm rot="16200000" flipH="1" flipV="1">
-            <a:off x="5383918" y="659698"/>
-            <a:ext cx="1" cy="1138046"/>
-          </a:xfrm>
-          <a:prstGeom prst="straightConnector1">
-            <a:avLst/>
-          </a:prstGeom>
-          <a:ln w="15875">
-            <a:solidFill>
-              <a:schemeClr val="tx1"/>
-            </a:solidFill>
-            <a:tailEnd type="arrow"/>
-          </a:ln>
-        </p:spPr>
-        <p:style>
-          <a:lnRef idx="1">
-            <a:schemeClr val="accent1"/>
-          </a:lnRef>
-          <a:fillRef idx="0">
-            <a:schemeClr val="accent1"/>
-          </a:fillRef>
-          <a:effectRef idx="0">
-            <a:schemeClr val="accent1"/>
-          </a:effectRef>
-          <a:fontRef idx="minor">
-            <a:schemeClr val="tx1"/>
-          </a:fontRef>
-        </p:style>
-      </p:cxnSp>
-      <p:cxnSp>
-        <p:nvCxnSpPr>
-          <p:cNvPr id="50" name="直接箭头连接符 49"/>
-          <p:cNvCxnSpPr/>
-          <p:nvPr/>
-        </p:nvCxnSpPr>
-        <p:spPr>
-          <a:xfrm rot="5400000" flipH="1" flipV="1">
-            <a:off x="5921112" y="1263364"/>
-            <a:ext cx="72000" cy="1588"/>
-          </a:xfrm>
-          <a:prstGeom prst="straightConnector1">
-            <a:avLst/>
-          </a:prstGeom>
-          <a:ln w="15875">
-            <a:solidFill>
-              <a:schemeClr val="tx1"/>
-            </a:solidFill>
-            <a:tailEnd type="none"/>
-          </a:ln>
-        </p:spPr>
-        <p:style>
-          <a:lnRef idx="1">
-            <a:schemeClr val="accent1"/>
-          </a:lnRef>
-          <a:fillRef idx="0">
-            <a:schemeClr val="accent1"/>
-          </a:fillRef>
-          <a:effectRef idx="0">
-            <a:schemeClr val="accent1"/>
-          </a:effectRef>
-          <a:fontRef idx="minor">
-            <a:schemeClr val="tx1"/>
-          </a:fontRef>
-        </p:style>
-      </p:cxnSp>
-      <p:sp>
-        <p:nvSpPr>
-          <p:cNvPr id="51" name="TextBox 50"/>
+          <a:effectLst/>
+        </p:spPr>
+      </p:pic>
+      <p:sp>
+        <p:nvSpPr>
+          <p:cNvPr id="32" name="TextBox 31"/>
           <p:cNvSpPr txBox="1"/>
           <p:nvPr/>
         </p:nvSpPr>
         <p:spPr>
           <a:xfrm>
-            <a:off x="4600582" y="1228721"/>
-            <a:ext cx="418704" cy="338554"/>
+            <a:off x="1578703" y="214290"/>
+            <a:ext cx="642942" cy="253916"/>
           </a:xfrm>
           <a:prstGeom prst="rect">
             <a:avLst/>
@@ -3805,71 +3306,39 @@
           <a:noFill/>
         </p:spPr>
         <p:txBody>
-          <a:bodyPr wrap="none" rtlCol="0">
+          <a:bodyPr wrap="square" rtlCol="0">
             <a:spAutoFit/>
           </a:bodyPr>
           <a:lstStyle/>
           <a:p>
             <a:r>
-              <a:rPr lang="en-US" altLang="zh-CN" sz="1600" dirty="0" smtClean="0"/>
-              <a:t> … </a:t>
-            </a:r>
-          </a:p>
-        </p:txBody>
-      </p:sp>
-      <p:sp>
-        <p:nvSpPr>
-          <p:cNvPr id="52" name="TextBox 51"/>
-          <p:cNvSpPr txBox="1"/>
+              <a:rPr lang="zh-CN" altLang="en-US" sz="1050" dirty="0" smtClean="0"/>
+              <a:t>编码器</a:t>
+            </a:r>
+            <a:endParaRPr lang="zh-CN" altLang="en-US" sz="1050" dirty="0"/>
+          </a:p>
+        </p:txBody>
+      </p:sp>
+      <p:sp>
+        <p:nvSpPr>
+          <p:cNvPr id="33" name="矩形 32"/>
+          <p:cNvSpPr/>
           <p:nvPr/>
         </p:nvSpPr>
         <p:spPr>
           <a:xfrm>
-            <a:off x="5743590" y="1228721"/>
-            <a:ext cx="418704" cy="338554"/>
+            <a:off x="3864718" y="157151"/>
+            <a:ext cx="1928827" cy="1485899"/>
           </a:xfrm>
           <a:prstGeom prst="rect">
             <a:avLst/>
           </a:prstGeom>
           <a:noFill/>
-        </p:spPr>
-        <p:txBody>
-          <a:bodyPr wrap="none" rtlCol="0">
-            <a:spAutoFit/>
-          </a:bodyPr>
-          <a:lstStyle/>
-          <a:p>
-            <a:r>
-              <a:rPr lang="en-US" altLang="zh-CN" sz="1600" dirty="0" smtClean="0"/>
-              <a:t> … </a:t>
-            </a:r>
-          </a:p>
-        </p:txBody>
-      </p:sp>
-      <p:sp>
-        <p:nvSpPr>
-          <p:cNvPr id="39" name="右箭头 38"/>
-          <p:cNvSpPr/>
-          <p:nvPr/>
-        </p:nvSpPr>
-        <p:spPr>
-          <a:xfrm>
-            <a:off x="3171822" y="1871663"/>
-            <a:ext cx="1071570" cy="285752"/>
-          </a:xfrm>
-          <a:prstGeom prst="rightArrow">
-            <a:avLst>
-              <a:gd name="adj1" fmla="val 50000"/>
-              <a:gd name="adj2" fmla="val 52162"/>
-            </a:avLst>
-          </a:prstGeom>
-          <a:solidFill>
-            <a:schemeClr val="tx2"/>
-          </a:solidFill>
-          <a:ln>
+          <a:ln w="12700" cap="sq">
             <a:solidFill>
-              <a:schemeClr val="tx2"/>
+              <a:schemeClr val="tx1"/>
             </a:solidFill>
+            <a:miter lim="800000"/>
           </a:ln>
         </p:spPr>
         <p:style>
@@ -3899,13 +3368,13 @@
       </p:sp>
       <p:sp>
         <p:nvSpPr>
-          <p:cNvPr id="53" name="TextBox 52"/>
+          <p:cNvPr id="35" name="TextBox 34"/>
           <p:cNvSpPr txBox="1"/>
           <p:nvPr/>
         </p:nvSpPr>
         <p:spPr>
           <a:xfrm>
-            <a:off x="1600186" y="3046507"/>
+            <a:off x="3936157" y="214290"/>
             <a:ext cx="642942" cy="253916"/>
           </a:xfrm>
           <a:prstGeom prst="rect">
@@ -3921,52 +3390,95 @@
           <a:p>
             <a:r>
               <a:rPr lang="zh-CN" altLang="en-US" sz="1050" dirty="0" smtClean="0"/>
-              <a:t>任务一</a:t>
+              <a:t>解码</a:t>
+            </a:r>
+            <a:r>
+              <a:rPr lang="zh-CN" altLang="en-US" sz="1050" dirty="0" smtClean="0"/>
+              <a:t>器</a:t>
             </a:r>
             <a:endParaRPr lang="zh-CN" altLang="en-US" sz="1050" dirty="0"/>
           </a:p>
         </p:txBody>
       </p:sp>
-      <p:sp>
-        <p:nvSpPr>
-          <p:cNvPr id="54" name="TextBox 53"/>
-          <p:cNvSpPr txBox="1"/>
+      <p:pic>
+        <p:nvPicPr>
+          <p:cNvPr id="1027" name="Picture 3"/>
+          <p:cNvPicPr>
+            <a:picLocks noChangeAspect="1" noChangeArrowheads="1"/>
+          </p:cNvPicPr>
           <p:nvPr/>
-        </p:nvSpPr>
-        <p:spPr>
-          <a:xfrm>
-            <a:off x="5100648" y="3046507"/>
-            <a:ext cx="642942" cy="253916"/>
+        </p:nvPicPr>
+        <p:blipFill>
+          <a:blip r:embed="rId4" cstate="print"/>
+          <a:srcRect/>
+          <a:stretch>
+            <a:fillRect/>
+          </a:stretch>
+        </p:blipFill>
+        <p:spPr bwMode="auto">
+          <a:xfrm>
+            <a:off x="4436223" y="286708"/>
+            <a:ext cx="857256" cy="1252292"/>
           </a:xfrm>
           <a:prstGeom prst="rect">
             <a:avLst/>
           </a:prstGeom>
           <a:noFill/>
-        </p:spPr>
-        <p:txBody>
-          <a:bodyPr wrap="square" rtlCol="0">
-            <a:spAutoFit/>
-          </a:bodyPr>
-          <a:lstStyle/>
-          <a:p>
-            <a:r>
-              <a:rPr lang="zh-CN" altLang="en-US" sz="1050" dirty="0" smtClean="0"/>
-              <a:t>任务二</a:t>
-            </a:r>
-            <a:endParaRPr lang="zh-CN" altLang="en-US" sz="1050" dirty="0"/>
-          </a:p>
-        </p:txBody>
-      </p:sp>
-      <p:sp>
-        <p:nvSpPr>
-          <p:cNvPr id="55" name="TextBox 54"/>
+          <a:ln w="9525">
+            <a:noFill/>
+            <a:miter lim="800000"/>
+            <a:headEnd/>
+            <a:tailEnd/>
+          </a:ln>
+          <a:effectLst/>
+        </p:spPr>
+      </p:pic>
+      <p:cxnSp>
+        <p:nvCxnSpPr>
+          <p:cNvPr id="41" name="直接箭头连接符 40"/>
+          <p:cNvCxnSpPr/>
+          <p:nvPr/>
+        </p:nvCxnSpPr>
+        <p:spPr>
+          <a:xfrm>
+            <a:off x="5793545" y="928670"/>
+            <a:ext cx="571504" cy="1588"/>
+          </a:xfrm>
+          <a:prstGeom prst="straightConnector1">
+            <a:avLst/>
+          </a:prstGeom>
+          <a:ln w="15875">
+            <a:solidFill>
+              <a:schemeClr val="tx1"/>
+            </a:solidFill>
+            <a:tailEnd type="arrow"/>
+          </a:ln>
+        </p:spPr>
+        <p:style>
+          <a:lnRef idx="1">
+            <a:schemeClr val="accent1"/>
+          </a:lnRef>
+          <a:fillRef idx="0">
+            <a:schemeClr val="accent1"/>
+          </a:fillRef>
+          <a:effectRef idx="0">
+            <a:schemeClr val="accent1"/>
+          </a:effectRef>
+          <a:fontRef idx="minor">
+            <a:schemeClr val="tx1"/>
+          </a:fontRef>
+        </p:style>
+      </p:cxnSp>
+      <p:sp>
+        <p:nvSpPr>
+          <p:cNvPr id="43" name="TextBox 42"/>
           <p:cNvSpPr txBox="1"/>
           <p:nvPr/>
         </p:nvSpPr>
         <p:spPr>
           <a:xfrm>
-            <a:off x="171426" y="2514605"/>
-            <a:ext cx="319318" cy="415498"/>
+            <a:off x="6315887" y="214290"/>
+            <a:ext cx="642942" cy="253916"/>
           </a:xfrm>
           <a:prstGeom prst="rect">
             <a:avLst/>
@@ -3974,23 +3486,1241 @@
           <a:noFill/>
         </p:spPr>
         <p:txBody>
+          <a:bodyPr wrap="square" rtlCol="0">
+            <a:spAutoFit/>
+          </a:bodyPr>
+          <a:lstStyle/>
+          <a:p>
+            <a:r>
+              <a:rPr lang="zh-CN" altLang="en-US" sz="1050" dirty="0" smtClean="0"/>
+              <a:t>输出</a:t>
+            </a:r>
+            <a:endParaRPr lang="zh-CN" altLang="en-US" sz="1050" dirty="0"/>
+          </a:p>
+        </p:txBody>
+      </p:sp>
+      <p:pic>
+        <p:nvPicPr>
+          <p:cNvPr id="44" name="Picture 3"/>
+          <p:cNvPicPr>
+            <a:picLocks noChangeAspect="1" noChangeArrowheads="1"/>
+          </p:cNvPicPr>
+          <p:nvPr/>
+        </p:nvPicPr>
+        <p:blipFill>
+          <a:blip r:embed="rId2"/>
+          <a:srcRect/>
+          <a:stretch>
+            <a:fillRect/>
+          </a:stretch>
+        </p:blipFill>
+        <p:spPr bwMode="auto">
+          <a:xfrm>
+            <a:off x="6365049" y="2714620"/>
+            <a:ext cx="522342" cy="388623"/>
+          </a:xfrm>
+          <a:prstGeom prst="rect">
+            <a:avLst/>
+          </a:prstGeom>
+          <a:noFill/>
+          <a:ln w="9525">
+            <a:noFill/>
+            <a:miter lim="800000"/>
+            <a:headEnd/>
+            <a:tailEnd/>
+          </a:ln>
+          <a:effectLst/>
+        </p:spPr>
+      </p:pic>
+      <p:sp>
+        <p:nvSpPr>
+          <p:cNvPr id="45" name="矩形 44"/>
+          <p:cNvSpPr/>
+          <p:nvPr/>
+        </p:nvSpPr>
+        <p:spPr>
+          <a:xfrm>
+            <a:off x="1507264" y="2157415"/>
+            <a:ext cx="1928827" cy="1485899"/>
+          </a:xfrm>
+          <a:prstGeom prst="rect">
+            <a:avLst/>
+          </a:prstGeom>
+          <a:noFill/>
+          <a:ln w="12700" cap="sq">
+            <a:solidFill>
+              <a:schemeClr val="tx1"/>
+            </a:solidFill>
+            <a:miter lim="800000"/>
+          </a:ln>
+        </p:spPr>
+        <p:style>
+          <a:lnRef idx="2">
+            <a:schemeClr val="accent1">
+              <a:shade val="50000"/>
+            </a:schemeClr>
+          </a:lnRef>
+          <a:fillRef idx="1">
+            <a:schemeClr val="accent1"/>
+          </a:fillRef>
+          <a:effectRef idx="0">
+            <a:schemeClr val="accent1"/>
+          </a:effectRef>
+          <a:fontRef idx="minor">
+            <a:schemeClr val="lt1"/>
+          </a:fontRef>
+        </p:style>
+        <p:txBody>
+          <a:bodyPr rtlCol="0" anchor="ctr"/>
+          <a:lstStyle/>
+          <a:p>
+            <a:pPr algn="ctr"/>
+            <a:endParaRPr lang="zh-CN" altLang="en-US"/>
+          </a:p>
+        </p:txBody>
+      </p:sp>
+      <p:cxnSp>
+        <p:nvCxnSpPr>
+          <p:cNvPr id="46" name="直接箭头连接符 45"/>
+          <p:cNvCxnSpPr/>
+          <p:nvPr/>
+        </p:nvCxnSpPr>
+        <p:spPr>
+          <a:xfrm>
+            <a:off x="3436091" y="2928934"/>
+            <a:ext cx="428628" cy="1588"/>
+          </a:xfrm>
+          <a:prstGeom prst="straightConnector1">
+            <a:avLst/>
+          </a:prstGeom>
+          <a:ln w="15875">
+            <a:solidFill>
+              <a:schemeClr val="tx1"/>
+            </a:solidFill>
+            <a:tailEnd type="arrow"/>
+          </a:ln>
+        </p:spPr>
+        <p:style>
+          <a:lnRef idx="1">
+            <a:schemeClr val="accent1"/>
+          </a:lnRef>
+          <a:fillRef idx="0">
+            <a:schemeClr val="accent1"/>
+          </a:fillRef>
+          <a:effectRef idx="0">
+            <a:schemeClr val="accent1"/>
+          </a:effectRef>
+          <a:fontRef idx="minor">
+            <a:schemeClr val="tx1"/>
+          </a:fontRef>
+        </p:style>
+      </p:cxnSp>
+      <p:sp>
+        <p:nvSpPr>
+          <p:cNvPr id="47" name="矩形 46"/>
+          <p:cNvSpPr/>
+          <p:nvPr/>
+        </p:nvSpPr>
+        <p:spPr>
+          <a:xfrm>
+            <a:off x="1150075" y="2071678"/>
+            <a:ext cx="5000660" cy="1714512"/>
+          </a:xfrm>
+          <a:prstGeom prst="rect">
+            <a:avLst/>
+          </a:prstGeom>
+          <a:noFill/>
+          <a:ln w="12700" cap="sq">
+            <a:solidFill>
+              <a:schemeClr val="tx1"/>
+            </a:solidFill>
+            <a:miter lim="800000"/>
+          </a:ln>
+        </p:spPr>
+        <p:style>
+          <a:lnRef idx="2">
+            <a:schemeClr val="accent1">
+              <a:shade val="50000"/>
+            </a:schemeClr>
+          </a:lnRef>
+          <a:fillRef idx="1">
+            <a:schemeClr val="accent1"/>
+          </a:fillRef>
+          <a:effectRef idx="0">
+            <a:schemeClr val="accent1"/>
+          </a:effectRef>
+          <a:fontRef idx="minor">
+            <a:schemeClr val="lt1"/>
+          </a:fontRef>
+        </p:style>
+        <p:txBody>
+          <a:bodyPr rtlCol="0" anchor="ctr"/>
+          <a:lstStyle/>
+          <a:p>
+            <a:pPr algn="ctr"/>
+            <a:endParaRPr lang="zh-CN" altLang="en-US"/>
+          </a:p>
+        </p:txBody>
+      </p:sp>
+      <p:sp>
+        <p:nvSpPr>
+          <p:cNvPr id="48" name="TextBox 47"/>
+          <p:cNvSpPr txBox="1"/>
+          <p:nvPr/>
+        </p:nvSpPr>
+        <p:spPr>
+          <a:xfrm>
+            <a:off x="315095" y="2714620"/>
+            <a:ext cx="642942" cy="276999"/>
+          </a:xfrm>
+          <a:prstGeom prst="rect">
+            <a:avLst/>
+          </a:prstGeom>
+          <a:noFill/>
+        </p:spPr>
+        <p:txBody>
+          <a:bodyPr wrap="square" rtlCol="0">
+            <a:spAutoFit/>
+          </a:bodyPr>
+          <a:lstStyle/>
+          <a:p>
+            <a:r>
+              <a:rPr lang="zh-CN" altLang="en-US" sz="1200" dirty="0" smtClean="0"/>
+              <a:t>任务</a:t>
+            </a:r>
+            <a:r>
+              <a:rPr lang="en-US" altLang="zh-CN" sz="1200" dirty="0" smtClean="0"/>
+              <a:t>2</a:t>
+            </a:r>
+            <a:endParaRPr lang="zh-CN" altLang="en-US" sz="1200" dirty="0"/>
+          </a:p>
+        </p:txBody>
+      </p:sp>
+      <p:pic>
+        <p:nvPicPr>
+          <p:cNvPr id="49" name="Picture 2"/>
+          <p:cNvPicPr>
+            <a:picLocks noChangeAspect="1" noChangeArrowheads="1"/>
+          </p:cNvPicPr>
+          <p:nvPr/>
+        </p:nvPicPr>
+        <p:blipFill>
+          <a:blip r:embed="rId3"/>
+          <a:srcRect/>
+          <a:stretch>
+            <a:fillRect/>
+          </a:stretch>
+        </p:blipFill>
+        <p:spPr bwMode="auto">
+          <a:xfrm>
+            <a:off x="1721579" y="2428868"/>
+            <a:ext cx="1467648" cy="1195331"/>
+          </a:xfrm>
+          <a:prstGeom prst="rect">
+            <a:avLst/>
+          </a:prstGeom>
+          <a:noFill/>
+          <a:ln w="9525">
+            <a:noFill/>
+            <a:miter lim="800000"/>
+            <a:headEnd/>
+            <a:tailEnd/>
+          </a:ln>
+          <a:effectLst/>
+        </p:spPr>
+      </p:pic>
+      <p:sp>
+        <p:nvSpPr>
+          <p:cNvPr id="50" name="TextBox 49"/>
+          <p:cNvSpPr txBox="1"/>
+          <p:nvPr/>
+        </p:nvSpPr>
+        <p:spPr>
+          <a:xfrm>
+            <a:off x="1578703" y="2214554"/>
+            <a:ext cx="642942" cy="253916"/>
+          </a:xfrm>
+          <a:prstGeom prst="rect">
+            <a:avLst/>
+          </a:prstGeom>
+          <a:noFill/>
+        </p:spPr>
+        <p:txBody>
+          <a:bodyPr wrap="square" rtlCol="0">
+            <a:spAutoFit/>
+          </a:bodyPr>
+          <a:lstStyle/>
+          <a:p>
+            <a:r>
+              <a:rPr lang="zh-CN" altLang="en-US" sz="1050" dirty="0" smtClean="0"/>
+              <a:t>编码器</a:t>
+            </a:r>
+            <a:endParaRPr lang="zh-CN" altLang="en-US" sz="1050" dirty="0"/>
+          </a:p>
+        </p:txBody>
+      </p:sp>
+      <p:sp>
+        <p:nvSpPr>
+          <p:cNvPr id="51" name="矩形 50"/>
+          <p:cNvSpPr/>
+          <p:nvPr/>
+        </p:nvSpPr>
+        <p:spPr>
+          <a:xfrm>
+            <a:off x="3864718" y="2157415"/>
+            <a:ext cx="1928827" cy="1485899"/>
+          </a:xfrm>
+          <a:prstGeom prst="rect">
+            <a:avLst/>
+          </a:prstGeom>
+          <a:noFill/>
+          <a:ln w="12700" cap="sq">
+            <a:solidFill>
+              <a:schemeClr val="tx1"/>
+            </a:solidFill>
+            <a:miter lim="800000"/>
+          </a:ln>
+        </p:spPr>
+        <p:style>
+          <a:lnRef idx="2">
+            <a:schemeClr val="accent1">
+              <a:shade val="50000"/>
+            </a:schemeClr>
+          </a:lnRef>
+          <a:fillRef idx="1">
+            <a:schemeClr val="accent1"/>
+          </a:fillRef>
+          <a:effectRef idx="0">
+            <a:schemeClr val="accent1"/>
+          </a:effectRef>
+          <a:fontRef idx="minor">
+            <a:schemeClr val="lt1"/>
+          </a:fontRef>
+        </p:style>
+        <p:txBody>
+          <a:bodyPr rtlCol="0" anchor="ctr"/>
+          <a:lstStyle/>
+          <a:p>
+            <a:pPr algn="ctr"/>
+            <a:endParaRPr lang="zh-CN" altLang="en-US"/>
+          </a:p>
+        </p:txBody>
+      </p:sp>
+      <p:sp>
+        <p:nvSpPr>
+          <p:cNvPr id="52" name="TextBox 51"/>
+          <p:cNvSpPr txBox="1"/>
+          <p:nvPr/>
+        </p:nvSpPr>
+        <p:spPr>
+          <a:xfrm>
+            <a:off x="3936157" y="2214554"/>
+            <a:ext cx="642942" cy="253916"/>
+          </a:xfrm>
+          <a:prstGeom prst="rect">
+            <a:avLst/>
+          </a:prstGeom>
+          <a:noFill/>
+        </p:spPr>
+        <p:txBody>
+          <a:bodyPr wrap="square" rtlCol="0">
+            <a:spAutoFit/>
+          </a:bodyPr>
+          <a:lstStyle/>
+          <a:p>
+            <a:r>
+              <a:rPr lang="zh-CN" altLang="en-US" sz="1050" dirty="0" smtClean="0"/>
+              <a:t>解码</a:t>
+            </a:r>
+            <a:r>
+              <a:rPr lang="zh-CN" altLang="en-US" sz="1050" dirty="0" smtClean="0"/>
+              <a:t>器</a:t>
+            </a:r>
+            <a:endParaRPr lang="zh-CN" altLang="en-US" sz="1050" dirty="0"/>
+          </a:p>
+        </p:txBody>
+      </p:sp>
+      <p:pic>
+        <p:nvPicPr>
+          <p:cNvPr id="53" name="Picture 3"/>
+          <p:cNvPicPr>
+            <a:picLocks noChangeAspect="1" noChangeArrowheads="1"/>
+          </p:cNvPicPr>
+          <p:nvPr/>
+        </p:nvPicPr>
+        <p:blipFill>
+          <a:blip r:embed="rId4" cstate="print"/>
+          <a:srcRect/>
+          <a:stretch>
+            <a:fillRect/>
+          </a:stretch>
+        </p:blipFill>
+        <p:spPr bwMode="auto">
+          <a:xfrm>
+            <a:off x="4436223" y="2286972"/>
+            <a:ext cx="857256" cy="1252292"/>
+          </a:xfrm>
+          <a:prstGeom prst="rect">
+            <a:avLst/>
+          </a:prstGeom>
+          <a:noFill/>
+          <a:ln w="9525">
+            <a:noFill/>
+            <a:miter lim="800000"/>
+            <a:headEnd/>
+            <a:tailEnd/>
+          </a:ln>
+          <a:effectLst/>
+        </p:spPr>
+      </p:pic>
+      <p:cxnSp>
+        <p:nvCxnSpPr>
+          <p:cNvPr id="54" name="直接箭头连接符 53"/>
+          <p:cNvCxnSpPr/>
+          <p:nvPr/>
+        </p:nvCxnSpPr>
+        <p:spPr>
+          <a:xfrm>
+            <a:off x="5793545" y="2928934"/>
+            <a:ext cx="571504" cy="1588"/>
+          </a:xfrm>
+          <a:prstGeom prst="straightConnector1">
+            <a:avLst/>
+          </a:prstGeom>
+          <a:ln w="15875">
+            <a:solidFill>
+              <a:schemeClr val="tx1"/>
+            </a:solidFill>
+            <a:tailEnd type="arrow"/>
+          </a:ln>
+        </p:spPr>
+        <p:style>
+          <a:lnRef idx="1">
+            <a:schemeClr val="accent1"/>
+          </a:lnRef>
+          <a:fillRef idx="0">
+            <a:schemeClr val="accent1"/>
+          </a:fillRef>
+          <a:effectRef idx="0">
+            <a:schemeClr val="accent1"/>
+          </a:effectRef>
+          <a:fontRef idx="minor">
+            <a:schemeClr val="tx1"/>
+          </a:fontRef>
+        </p:style>
+      </p:cxnSp>
+      <p:sp>
+        <p:nvSpPr>
+          <p:cNvPr id="55" name="TextBox 54"/>
+          <p:cNvSpPr txBox="1"/>
+          <p:nvPr/>
+        </p:nvSpPr>
+        <p:spPr>
+          <a:xfrm>
+            <a:off x="6315887" y="2214554"/>
+            <a:ext cx="642942" cy="253916"/>
+          </a:xfrm>
+          <a:prstGeom prst="rect">
+            <a:avLst/>
+          </a:prstGeom>
+          <a:noFill/>
+        </p:spPr>
+        <p:txBody>
+          <a:bodyPr wrap="square" rtlCol="0">
+            <a:spAutoFit/>
+          </a:bodyPr>
+          <a:lstStyle/>
+          <a:p>
+            <a:r>
+              <a:rPr lang="zh-CN" altLang="en-US" sz="1050" dirty="0" smtClean="0"/>
+              <a:t>输出</a:t>
+            </a:r>
+            <a:endParaRPr lang="zh-CN" altLang="en-US" sz="1050" dirty="0"/>
+          </a:p>
+        </p:txBody>
+      </p:sp>
+      <p:pic>
+        <p:nvPicPr>
+          <p:cNvPr id="56" name="Picture 3"/>
+          <p:cNvPicPr>
+            <a:picLocks noChangeAspect="1" noChangeArrowheads="1"/>
+          </p:cNvPicPr>
+          <p:nvPr/>
+        </p:nvPicPr>
+        <p:blipFill>
+          <a:blip r:embed="rId2"/>
+          <a:srcRect/>
+          <a:stretch>
+            <a:fillRect/>
+          </a:stretch>
+        </p:blipFill>
+        <p:spPr bwMode="auto">
+          <a:xfrm>
+            <a:off x="6365049" y="5715016"/>
+            <a:ext cx="522342" cy="388623"/>
+          </a:xfrm>
+          <a:prstGeom prst="rect">
+            <a:avLst/>
+          </a:prstGeom>
+          <a:noFill/>
+          <a:ln w="9525">
+            <a:noFill/>
+            <a:miter lim="800000"/>
+            <a:headEnd/>
+            <a:tailEnd/>
+          </a:ln>
+          <a:effectLst/>
+        </p:spPr>
+      </p:pic>
+      <p:sp>
+        <p:nvSpPr>
+          <p:cNvPr id="57" name="矩形 56"/>
+          <p:cNvSpPr/>
+          <p:nvPr/>
+        </p:nvSpPr>
+        <p:spPr>
+          <a:xfrm>
+            <a:off x="1507264" y="5157811"/>
+            <a:ext cx="1928827" cy="1485899"/>
+          </a:xfrm>
+          <a:prstGeom prst="rect">
+            <a:avLst/>
+          </a:prstGeom>
+          <a:noFill/>
+          <a:ln w="12700" cap="sq">
+            <a:solidFill>
+              <a:schemeClr val="tx1"/>
+            </a:solidFill>
+            <a:miter lim="800000"/>
+          </a:ln>
+        </p:spPr>
+        <p:style>
+          <a:lnRef idx="2">
+            <a:schemeClr val="accent1">
+              <a:shade val="50000"/>
+            </a:schemeClr>
+          </a:lnRef>
+          <a:fillRef idx="1">
+            <a:schemeClr val="accent1"/>
+          </a:fillRef>
+          <a:effectRef idx="0">
+            <a:schemeClr val="accent1"/>
+          </a:effectRef>
+          <a:fontRef idx="minor">
+            <a:schemeClr val="lt1"/>
+          </a:fontRef>
+        </p:style>
+        <p:txBody>
+          <a:bodyPr rtlCol="0" anchor="ctr"/>
+          <a:lstStyle/>
+          <a:p>
+            <a:pPr algn="ctr"/>
+            <a:endParaRPr lang="zh-CN" altLang="en-US"/>
+          </a:p>
+        </p:txBody>
+      </p:sp>
+      <p:cxnSp>
+        <p:nvCxnSpPr>
+          <p:cNvPr id="58" name="直接箭头连接符 57"/>
+          <p:cNvCxnSpPr/>
+          <p:nvPr/>
+        </p:nvCxnSpPr>
+        <p:spPr>
+          <a:xfrm>
+            <a:off x="3436091" y="5929330"/>
+            <a:ext cx="428628" cy="1588"/>
+          </a:xfrm>
+          <a:prstGeom prst="straightConnector1">
+            <a:avLst/>
+          </a:prstGeom>
+          <a:ln w="15875">
+            <a:solidFill>
+              <a:schemeClr val="tx1"/>
+            </a:solidFill>
+            <a:tailEnd type="arrow"/>
+          </a:ln>
+        </p:spPr>
+        <p:style>
+          <a:lnRef idx="1">
+            <a:schemeClr val="accent1"/>
+          </a:lnRef>
+          <a:fillRef idx="0">
+            <a:schemeClr val="accent1"/>
+          </a:fillRef>
+          <a:effectRef idx="0">
+            <a:schemeClr val="accent1"/>
+          </a:effectRef>
+          <a:fontRef idx="minor">
+            <a:schemeClr val="tx1"/>
+          </a:fontRef>
+        </p:style>
+      </p:cxnSp>
+      <p:sp>
+        <p:nvSpPr>
+          <p:cNvPr id="59" name="矩形 58"/>
+          <p:cNvSpPr/>
+          <p:nvPr/>
+        </p:nvSpPr>
+        <p:spPr>
+          <a:xfrm>
+            <a:off x="1150075" y="5072074"/>
+            <a:ext cx="5000660" cy="1714512"/>
+          </a:xfrm>
+          <a:prstGeom prst="rect">
+            <a:avLst/>
+          </a:prstGeom>
+          <a:noFill/>
+          <a:ln w="12700" cap="sq">
+            <a:solidFill>
+              <a:schemeClr val="tx1"/>
+            </a:solidFill>
+            <a:miter lim="800000"/>
+          </a:ln>
+        </p:spPr>
+        <p:style>
+          <a:lnRef idx="2">
+            <a:schemeClr val="accent1">
+              <a:shade val="50000"/>
+            </a:schemeClr>
+          </a:lnRef>
+          <a:fillRef idx="1">
+            <a:schemeClr val="accent1"/>
+          </a:fillRef>
+          <a:effectRef idx="0">
+            <a:schemeClr val="accent1"/>
+          </a:effectRef>
+          <a:fontRef idx="minor">
+            <a:schemeClr val="lt1"/>
+          </a:fontRef>
+        </p:style>
+        <p:txBody>
+          <a:bodyPr rtlCol="0" anchor="ctr"/>
+          <a:lstStyle/>
+          <a:p>
+            <a:pPr algn="ctr"/>
+            <a:endParaRPr lang="zh-CN" altLang="en-US"/>
+          </a:p>
+        </p:txBody>
+      </p:sp>
+      <p:sp>
+        <p:nvSpPr>
+          <p:cNvPr id="60" name="TextBox 59"/>
+          <p:cNvSpPr txBox="1"/>
+          <p:nvPr/>
+        </p:nvSpPr>
+        <p:spPr>
+          <a:xfrm>
+            <a:off x="315095" y="5715016"/>
+            <a:ext cx="642942" cy="276999"/>
+          </a:xfrm>
+          <a:prstGeom prst="rect">
+            <a:avLst/>
+          </a:prstGeom>
+          <a:noFill/>
+        </p:spPr>
+        <p:txBody>
+          <a:bodyPr wrap="square" rtlCol="0">
+            <a:spAutoFit/>
+          </a:bodyPr>
+          <a:lstStyle/>
+          <a:p>
+            <a:r>
+              <a:rPr lang="zh-CN" altLang="en-US" sz="1200" dirty="0" smtClean="0"/>
+              <a:t>任务</a:t>
+            </a:r>
+            <a:r>
+              <a:rPr lang="en-US" altLang="zh-CN" sz="1200" dirty="0" smtClean="0"/>
+              <a:t>N</a:t>
+            </a:r>
+            <a:endParaRPr lang="zh-CN" altLang="en-US" sz="1200" dirty="0"/>
+          </a:p>
+        </p:txBody>
+      </p:sp>
+      <p:pic>
+        <p:nvPicPr>
+          <p:cNvPr id="61" name="Picture 2"/>
+          <p:cNvPicPr>
+            <a:picLocks noChangeAspect="1" noChangeArrowheads="1"/>
+          </p:cNvPicPr>
+          <p:nvPr/>
+        </p:nvPicPr>
+        <p:blipFill>
+          <a:blip r:embed="rId3"/>
+          <a:srcRect/>
+          <a:stretch>
+            <a:fillRect/>
+          </a:stretch>
+        </p:blipFill>
+        <p:spPr bwMode="auto">
+          <a:xfrm>
+            <a:off x="1721579" y="5429264"/>
+            <a:ext cx="1467648" cy="1195331"/>
+          </a:xfrm>
+          <a:prstGeom prst="rect">
+            <a:avLst/>
+          </a:prstGeom>
+          <a:noFill/>
+          <a:ln w="9525">
+            <a:noFill/>
+            <a:miter lim="800000"/>
+            <a:headEnd/>
+            <a:tailEnd/>
+          </a:ln>
+          <a:effectLst/>
+        </p:spPr>
+      </p:pic>
+      <p:sp>
+        <p:nvSpPr>
+          <p:cNvPr id="62" name="TextBox 61"/>
+          <p:cNvSpPr txBox="1"/>
+          <p:nvPr/>
+        </p:nvSpPr>
+        <p:spPr>
+          <a:xfrm>
+            <a:off x="1578703" y="5214950"/>
+            <a:ext cx="642942" cy="253916"/>
+          </a:xfrm>
+          <a:prstGeom prst="rect">
+            <a:avLst/>
+          </a:prstGeom>
+          <a:noFill/>
+        </p:spPr>
+        <p:txBody>
+          <a:bodyPr wrap="square" rtlCol="0">
+            <a:spAutoFit/>
+          </a:bodyPr>
+          <a:lstStyle/>
+          <a:p>
+            <a:r>
+              <a:rPr lang="zh-CN" altLang="en-US" sz="1050" dirty="0" smtClean="0"/>
+              <a:t>编码器</a:t>
+            </a:r>
+            <a:endParaRPr lang="zh-CN" altLang="en-US" sz="1050" dirty="0"/>
+          </a:p>
+        </p:txBody>
+      </p:sp>
+      <p:sp>
+        <p:nvSpPr>
+          <p:cNvPr id="63" name="矩形 62"/>
+          <p:cNvSpPr/>
+          <p:nvPr/>
+        </p:nvSpPr>
+        <p:spPr>
+          <a:xfrm>
+            <a:off x="3864718" y="5157811"/>
+            <a:ext cx="1928827" cy="1485899"/>
+          </a:xfrm>
+          <a:prstGeom prst="rect">
+            <a:avLst/>
+          </a:prstGeom>
+          <a:noFill/>
+          <a:ln w="12700" cap="sq">
+            <a:solidFill>
+              <a:schemeClr val="tx1"/>
+            </a:solidFill>
+            <a:miter lim="800000"/>
+          </a:ln>
+        </p:spPr>
+        <p:style>
+          <a:lnRef idx="2">
+            <a:schemeClr val="accent1">
+              <a:shade val="50000"/>
+            </a:schemeClr>
+          </a:lnRef>
+          <a:fillRef idx="1">
+            <a:schemeClr val="accent1"/>
+          </a:fillRef>
+          <a:effectRef idx="0">
+            <a:schemeClr val="accent1"/>
+          </a:effectRef>
+          <a:fontRef idx="minor">
+            <a:schemeClr val="lt1"/>
+          </a:fontRef>
+        </p:style>
+        <p:txBody>
+          <a:bodyPr rtlCol="0" anchor="ctr"/>
+          <a:lstStyle/>
+          <a:p>
+            <a:pPr algn="ctr"/>
+            <a:endParaRPr lang="zh-CN" altLang="en-US"/>
+          </a:p>
+        </p:txBody>
+      </p:sp>
+      <p:sp>
+        <p:nvSpPr>
+          <p:cNvPr id="64" name="TextBox 63"/>
+          <p:cNvSpPr txBox="1"/>
+          <p:nvPr/>
+        </p:nvSpPr>
+        <p:spPr>
+          <a:xfrm>
+            <a:off x="3936157" y="5214950"/>
+            <a:ext cx="642942" cy="253916"/>
+          </a:xfrm>
+          <a:prstGeom prst="rect">
+            <a:avLst/>
+          </a:prstGeom>
+          <a:noFill/>
+        </p:spPr>
+        <p:txBody>
+          <a:bodyPr wrap="square" rtlCol="0">
+            <a:spAutoFit/>
+          </a:bodyPr>
+          <a:lstStyle/>
+          <a:p>
+            <a:r>
+              <a:rPr lang="zh-CN" altLang="en-US" sz="1050" dirty="0" smtClean="0"/>
+              <a:t>解码</a:t>
+            </a:r>
+            <a:r>
+              <a:rPr lang="zh-CN" altLang="en-US" sz="1050" dirty="0" smtClean="0"/>
+              <a:t>器</a:t>
+            </a:r>
+            <a:endParaRPr lang="zh-CN" altLang="en-US" sz="1050" dirty="0"/>
+          </a:p>
+        </p:txBody>
+      </p:sp>
+      <p:pic>
+        <p:nvPicPr>
+          <p:cNvPr id="65" name="Picture 3"/>
+          <p:cNvPicPr>
+            <a:picLocks noChangeAspect="1" noChangeArrowheads="1"/>
+          </p:cNvPicPr>
+          <p:nvPr/>
+        </p:nvPicPr>
+        <p:blipFill>
+          <a:blip r:embed="rId4" cstate="print"/>
+          <a:srcRect/>
+          <a:stretch>
+            <a:fillRect/>
+          </a:stretch>
+        </p:blipFill>
+        <p:spPr bwMode="auto">
+          <a:xfrm>
+            <a:off x="4436223" y="5287368"/>
+            <a:ext cx="857256" cy="1252292"/>
+          </a:xfrm>
+          <a:prstGeom prst="rect">
+            <a:avLst/>
+          </a:prstGeom>
+          <a:noFill/>
+          <a:ln w="9525">
+            <a:noFill/>
+            <a:miter lim="800000"/>
+            <a:headEnd/>
+            <a:tailEnd/>
+          </a:ln>
+          <a:effectLst/>
+        </p:spPr>
+      </p:pic>
+      <p:cxnSp>
+        <p:nvCxnSpPr>
+          <p:cNvPr id="66" name="直接箭头连接符 65"/>
+          <p:cNvCxnSpPr/>
+          <p:nvPr/>
+        </p:nvCxnSpPr>
+        <p:spPr>
+          <a:xfrm>
+            <a:off x="5793545" y="5929330"/>
+            <a:ext cx="571504" cy="1588"/>
+          </a:xfrm>
+          <a:prstGeom prst="straightConnector1">
+            <a:avLst/>
+          </a:prstGeom>
+          <a:ln w="15875">
+            <a:solidFill>
+              <a:schemeClr val="tx1"/>
+            </a:solidFill>
+            <a:tailEnd type="arrow"/>
+          </a:ln>
+        </p:spPr>
+        <p:style>
+          <a:lnRef idx="1">
+            <a:schemeClr val="accent1"/>
+          </a:lnRef>
+          <a:fillRef idx="0">
+            <a:schemeClr val="accent1"/>
+          </a:fillRef>
+          <a:effectRef idx="0">
+            <a:schemeClr val="accent1"/>
+          </a:effectRef>
+          <a:fontRef idx="minor">
+            <a:schemeClr val="tx1"/>
+          </a:fontRef>
+        </p:style>
+      </p:cxnSp>
+      <p:sp>
+        <p:nvSpPr>
+          <p:cNvPr id="67" name="TextBox 66"/>
+          <p:cNvSpPr txBox="1"/>
+          <p:nvPr/>
+        </p:nvSpPr>
+        <p:spPr>
+          <a:xfrm>
+            <a:off x="6315887" y="5214950"/>
+            <a:ext cx="642942" cy="253916"/>
+          </a:xfrm>
+          <a:prstGeom prst="rect">
+            <a:avLst/>
+          </a:prstGeom>
+          <a:noFill/>
+        </p:spPr>
+        <p:txBody>
+          <a:bodyPr wrap="square" rtlCol="0">
+            <a:spAutoFit/>
+          </a:bodyPr>
+          <a:lstStyle/>
+          <a:p>
+            <a:r>
+              <a:rPr lang="zh-CN" altLang="en-US" sz="1050" dirty="0" smtClean="0"/>
+              <a:t>输出</a:t>
+            </a:r>
+            <a:endParaRPr lang="zh-CN" altLang="en-US" sz="1050" dirty="0"/>
+          </a:p>
+        </p:txBody>
+      </p:sp>
+      <p:sp>
+        <p:nvSpPr>
+          <p:cNvPr id="68" name="右箭头 67"/>
+          <p:cNvSpPr/>
+          <p:nvPr/>
+        </p:nvSpPr>
+        <p:spPr>
+          <a:xfrm rot="5400000">
+            <a:off x="2101045" y="1928802"/>
+            <a:ext cx="714380" cy="142876"/>
+          </a:xfrm>
+          <a:prstGeom prst="rightArrow">
+            <a:avLst>
+              <a:gd name="adj1" fmla="val 50000"/>
+              <a:gd name="adj2" fmla="val 52162"/>
+            </a:avLst>
+          </a:prstGeom>
+          <a:solidFill>
+            <a:schemeClr val="tx2"/>
+          </a:solidFill>
+          <a:ln>
+            <a:solidFill>
+              <a:schemeClr val="tx2"/>
+            </a:solidFill>
+          </a:ln>
+        </p:spPr>
+        <p:style>
+          <a:lnRef idx="2">
+            <a:schemeClr val="accent1">
+              <a:shade val="50000"/>
+            </a:schemeClr>
+          </a:lnRef>
+          <a:fillRef idx="1">
+            <a:schemeClr val="accent1"/>
+          </a:fillRef>
+          <a:effectRef idx="0">
+            <a:schemeClr val="accent1"/>
+          </a:effectRef>
+          <a:fontRef idx="minor">
+            <a:schemeClr val="lt1"/>
+          </a:fontRef>
+        </p:style>
+        <p:txBody>
+          <a:bodyPr rtlCol="0" anchor="ctr"/>
+          <a:lstStyle/>
+          <a:p>
+            <a:pPr algn="ctr"/>
+            <a:endParaRPr lang="zh-CN" altLang="en-US"/>
+          </a:p>
+        </p:txBody>
+      </p:sp>
+      <p:sp>
+        <p:nvSpPr>
+          <p:cNvPr id="69" name="右箭头 68"/>
+          <p:cNvSpPr/>
+          <p:nvPr/>
+        </p:nvSpPr>
+        <p:spPr>
+          <a:xfrm rot="5400000">
+            <a:off x="2101045" y="3929066"/>
+            <a:ext cx="714380" cy="142876"/>
+          </a:xfrm>
+          <a:prstGeom prst="rightArrow">
+            <a:avLst>
+              <a:gd name="adj1" fmla="val 50000"/>
+              <a:gd name="adj2" fmla="val 52162"/>
+            </a:avLst>
+          </a:prstGeom>
+          <a:solidFill>
+            <a:schemeClr val="tx2"/>
+          </a:solidFill>
+          <a:ln>
+            <a:solidFill>
+              <a:schemeClr val="tx2"/>
+            </a:solidFill>
+          </a:ln>
+        </p:spPr>
+        <p:style>
+          <a:lnRef idx="2">
+            <a:schemeClr val="accent1">
+              <a:shade val="50000"/>
+            </a:schemeClr>
+          </a:lnRef>
+          <a:fillRef idx="1">
+            <a:schemeClr val="accent1"/>
+          </a:fillRef>
+          <a:effectRef idx="0">
+            <a:schemeClr val="accent1"/>
+          </a:effectRef>
+          <a:fontRef idx="minor">
+            <a:schemeClr val="lt1"/>
+          </a:fontRef>
+        </p:style>
+        <p:txBody>
+          <a:bodyPr rtlCol="0" anchor="ctr"/>
+          <a:lstStyle/>
+          <a:p>
+            <a:pPr algn="ctr"/>
+            <a:endParaRPr lang="zh-CN" altLang="en-US"/>
+          </a:p>
+        </p:txBody>
+      </p:sp>
+      <p:sp>
+        <p:nvSpPr>
+          <p:cNvPr id="70" name="TextBox 69"/>
+          <p:cNvSpPr txBox="1"/>
+          <p:nvPr/>
+        </p:nvSpPr>
+        <p:spPr>
+          <a:xfrm>
+            <a:off x="2300331" y="4233454"/>
+            <a:ext cx="372218" cy="338554"/>
+          </a:xfrm>
+          <a:prstGeom prst="rect">
+            <a:avLst/>
+          </a:prstGeom>
+          <a:noFill/>
+        </p:spPr>
+        <p:txBody>
           <a:bodyPr wrap="none" rtlCol="0">
             <a:spAutoFit/>
           </a:bodyPr>
           <a:lstStyle/>
           <a:p>
             <a:r>
-              <a:rPr lang="zh-CN" altLang="en-US" sz="1050" dirty="0" smtClean="0"/>
-              <a:t>输</a:t>
-            </a:r>
-            <a:endParaRPr lang="en-US" altLang="zh-CN" sz="1050" dirty="0" smtClean="0"/>
-          </a:p>
-          <a:p>
-            <a:r>
-              <a:rPr lang="zh-CN" altLang="en-US" sz="1050" dirty="0" smtClean="0"/>
-              <a:t>入</a:t>
-            </a:r>
-            <a:endParaRPr lang="zh-CN" altLang="en-US" sz="1050" dirty="0"/>
+              <a:rPr lang="en-US" altLang="zh-CN" sz="1600" dirty="0" smtClean="0"/>
+              <a:t>…</a:t>
+            </a:r>
+            <a:r>
+              <a:rPr lang="en-US" altLang="zh-CN" sz="1600" dirty="0" smtClean="0"/>
+              <a:t> </a:t>
+            </a:r>
+            <a:endParaRPr lang="en-US" altLang="zh-CN" sz="1600" dirty="0" smtClean="0"/>
+          </a:p>
+        </p:txBody>
+      </p:sp>
+      <p:sp>
+        <p:nvSpPr>
+          <p:cNvPr id="71" name="右箭头 70"/>
+          <p:cNvSpPr/>
+          <p:nvPr/>
+        </p:nvSpPr>
+        <p:spPr>
+          <a:xfrm rot="5400000">
+            <a:off x="2101045" y="4929198"/>
+            <a:ext cx="714380" cy="142876"/>
+          </a:xfrm>
+          <a:prstGeom prst="rightArrow">
+            <a:avLst>
+              <a:gd name="adj1" fmla="val 50000"/>
+              <a:gd name="adj2" fmla="val 52162"/>
+            </a:avLst>
+          </a:prstGeom>
+          <a:solidFill>
+            <a:schemeClr val="tx2"/>
+          </a:solidFill>
+          <a:ln>
+            <a:solidFill>
+              <a:schemeClr val="tx2"/>
+            </a:solidFill>
+          </a:ln>
+        </p:spPr>
+        <p:style>
+          <a:lnRef idx="2">
+            <a:schemeClr val="accent1">
+              <a:shade val="50000"/>
+            </a:schemeClr>
+          </a:lnRef>
+          <a:fillRef idx="1">
+            <a:schemeClr val="accent1"/>
+          </a:fillRef>
+          <a:effectRef idx="0">
+            <a:schemeClr val="accent1"/>
+          </a:effectRef>
+          <a:fontRef idx="minor">
+            <a:schemeClr val="lt1"/>
+          </a:fontRef>
+        </p:style>
+        <p:txBody>
+          <a:bodyPr rtlCol="0" anchor="ctr"/>
+          <a:lstStyle/>
+          <a:p>
+            <a:pPr algn="ctr"/>
+            <a:endParaRPr lang="zh-CN" altLang="en-US"/>
+          </a:p>
+        </p:txBody>
+      </p:sp>
+      <p:sp>
+        <p:nvSpPr>
+          <p:cNvPr id="72" name="TextBox 71"/>
+          <p:cNvSpPr txBox="1"/>
+          <p:nvPr/>
+        </p:nvSpPr>
+        <p:spPr>
+          <a:xfrm>
+            <a:off x="386533" y="4214818"/>
+            <a:ext cx="372218" cy="338554"/>
+          </a:xfrm>
+          <a:prstGeom prst="rect">
+            <a:avLst/>
+          </a:prstGeom>
+          <a:noFill/>
+        </p:spPr>
+        <p:txBody>
+          <a:bodyPr wrap="none" rtlCol="0">
+            <a:spAutoFit/>
+          </a:bodyPr>
+          <a:lstStyle/>
+          <a:p>
+            <a:r>
+              <a:rPr lang="en-US" altLang="zh-CN" sz="1600" dirty="0" smtClean="0"/>
+              <a:t>…</a:t>
+            </a:r>
+            <a:r>
+              <a:rPr lang="en-US" altLang="zh-CN" sz="1600" dirty="0" smtClean="0"/>
+              <a:t> </a:t>
+            </a:r>
+            <a:endParaRPr lang="en-US" altLang="zh-CN" sz="1600" dirty="0" smtClean="0"/>
+          </a:p>
+        </p:txBody>
+      </p:sp>
+      <p:sp>
+        <p:nvSpPr>
+          <p:cNvPr id="73" name="TextBox 72"/>
+          <p:cNvSpPr txBox="1"/>
+          <p:nvPr/>
+        </p:nvSpPr>
+        <p:spPr>
+          <a:xfrm>
+            <a:off x="6387325" y="4233454"/>
+            <a:ext cx="372218" cy="338554"/>
+          </a:xfrm>
+          <a:prstGeom prst="rect">
+            <a:avLst/>
+          </a:prstGeom>
+          <a:noFill/>
+        </p:spPr>
+        <p:txBody>
+          <a:bodyPr wrap="none" rtlCol="0">
+            <a:spAutoFit/>
+          </a:bodyPr>
+          <a:lstStyle/>
+          <a:p>
+            <a:r>
+              <a:rPr lang="en-US" altLang="zh-CN" sz="1600" dirty="0" smtClean="0"/>
+              <a:t>…</a:t>
+            </a:r>
+            <a:r>
+              <a:rPr lang="en-US" altLang="zh-CN" sz="1600" dirty="0" smtClean="0"/>
+              <a:t> </a:t>
+            </a:r>
+            <a:endParaRPr lang="en-US" altLang="zh-CN" sz="1600" dirty="0" smtClean="0"/>
+          </a:p>
+        </p:txBody>
+      </p:sp>
+      <p:sp>
+        <p:nvSpPr>
+          <p:cNvPr id="74" name="TextBox 73"/>
+          <p:cNvSpPr txBox="1"/>
+          <p:nvPr/>
+        </p:nvSpPr>
+        <p:spPr>
+          <a:xfrm>
+            <a:off x="2458235" y="1810068"/>
+            <a:ext cx="642942" cy="261610"/>
+          </a:xfrm>
+          <a:prstGeom prst="rect">
+            <a:avLst/>
+          </a:prstGeom>
+          <a:noFill/>
+        </p:spPr>
+        <p:txBody>
+          <a:bodyPr wrap="square" rtlCol="0">
+            <a:spAutoFit/>
+          </a:bodyPr>
+          <a:lstStyle/>
+          <a:p>
+            <a:r>
+              <a:rPr lang="zh-CN" altLang="en-US" sz="1100" dirty="0" smtClean="0"/>
+              <a:t>迁移</a:t>
+            </a:r>
+            <a:endParaRPr lang="zh-CN" altLang="en-US" sz="1100" dirty="0"/>
+          </a:p>
+        </p:txBody>
+      </p:sp>
+      <p:sp>
+        <p:nvSpPr>
+          <p:cNvPr id="75" name="TextBox 74"/>
+          <p:cNvSpPr txBox="1"/>
+          <p:nvPr/>
+        </p:nvSpPr>
+        <p:spPr>
+          <a:xfrm>
+            <a:off x="2458235" y="3881770"/>
+            <a:ext cx="642942" cy="261610"/>
+          </a:xfrm>
+          <a:prstGeom prst="rect">
+            <a:avLst/>
+          </a:prstGeom>
+          <a:noFill/>
+        </p:spPr>
+        <p:txBody>
+          <a:bodyPr wrap="square" rtlCol="0">
+            <a:spAutoFit/>
+          </a:bodyPr>
+          <a:lstStyle/>
+          <a:p>
+            <a:r>
+              <a:rPr lang="zh-CN" altLang="en-US" sz="1100" dirty="0" smtClean="0"/>
+              <a:t>迁移</a:t>
+            </a:r>
+            <a:endParaRPr lang="zh-CN" altLang="en-US" sz="1100" dirty="0"/>
+          </a:p>
+        </p:txBody>
+      </p:sp>
+      <p:sp>
+        <p:nvSpPr>
+          <p:cNvPr id="76" name="TextBox 75"/>
+          <p:cNvSpPr txBox="1"/>
+          <p:nvPr/>
+        </p:nvSpPr>
+        <p:spPr>
+          <a:xfrm>
+            <a:off x="2458235" y="4810464"/>
+            <a:ext cx="642942" cy="261610"/>
+          </a:xfrm>
+          <a:prstGeom prst="rect">
+            <a:avLst/>
+          </a:prstGeom>
+          <a:noFill/>
+        </p:spPr>
+        <p:txBody>
+          <a:bodyPr wrap="square" rtlCol="0">
+            <a:spAutoFit/>
+          </a:bodyPr>
+          <a:lstStyle/>
+          <a:p>
+            <a:r>
+              <a:rPr lang="zh-CN" altLang="en-US" sz="1100" dirty="0" smtClean="0"/>
+              <a:t>迁移</a:t>
+            </a:r>
+            <a:endParaRPr lang="zh-CN" altLang="en-US" sz="1100" dirty="0"/>
           </a:p>
         </p:txBody>
       </p:sp>
